--- a/0 Workshop.pptx
+++ b/0 Workshop.pptx
@@ -198,13 +198,16 @@
 </p:presentation>
 </file>
 
-<file path=ppt/revisionInfo.xml><?xml version="1.0" encoding="utf-8"?>
-<p1510:revInfo xmlns:a="http://schemas.openxmlformats.org/drawingml/2006/main" xmlns:r="http://schemas.openxmlformats.org/officeDocument/2006/relationships" xmlns:p1510="http://schemas.microsoft.com/office/powerpoint/2015/10/main">
-  <p1510:revLst>
-    <p1510:client id="{A26C94E5-D995-4C23-AF5A-A9FEB2079719}" v="7" dt="2021-03-09T21:43:40.069"/>
-    <p1510:client id="{F6676B55-E460-4337-BBAE-8F042AD5250A}" v="2" dt="2021-03-10T15:53:28.097"/>
-  </p1510:revLst>
-</p1510:revInfo>
+<file path=ppt/commentAuthors.xml><?xml version="1.0" encoding="utf-8"?>
+<p:cmAuthorLst xmlns:a="http://schemas.openxmlformats.org/drawingml/2006/main" xmlns:r="http://schemas.openxmlformats.org/officeDocument/2006/relationships" xmlns:p="http://schemas.openxmlformats.org/presentationml/2006/main">
+  <p:cmAuthor id="1" name="Juan Pedro steibel" initials="JPs" lastIdx="1" clrIdx="0">
+    <p:extLst>
+      <p:ext uri="{19B8F6BF-5375-455C-9EA6-DF929625EA0E}">
+        <p15:presenceInfo xmlns:p15="http://schemas.microsoft.com/office/powerpoint/2012/main" userId="08d14709d58c96e1" providerId="Windows Live"/>
+      </p:ext>
+    </p:extLst>
+  </p:cmAuthor>
+</p:cmAuthorLst>
 </file>
 
 <file path=ppt/changesInfos/changesInfo1.xml><?xml version="1.0" encoding="utf-8"?>
@@ -846,9 +849,33 @@
     </pc:docChg>
   </pc:docChgLst>
   <pc:docChgLst>
+    <pc:chgData name="Juan Pedro steibel" userId="08d14709d58c96e1" providerId="LiveId" clId="{67A7BFA3-56B5-4B76-BF0E-8C5712554950}"/>
+    <pc:docChg chg="modSld">
+      <pc:chgData name="Juan Pedro steibel" userId="08d14709d58c96e1" providerId="LiveId" clId="{67A7BFA3-56B5-4B76-BF0E-8C5712554950}" dt="2021-10-20T15:12:33.025" v="6" actId="20577"/>
+      <pc:docMkLst>
+        <pc:docMk/>
+      </pc:docMkLst>
+      <pc:sldChg chg="modSp mod">
+        <pc:chgData name="Juan Pedro steibel" userId="08d14709d58c96e1" providerId="LiveId" clId="{67A7BFA3-56B5-4B76-BF0E-8C5712554950}" dt="2021-10-20T15:12:33.025" v="6" actId="20577"/>
+        <pc:sldMkLst>
+          <pc:docMk/>
+          <pc:sldMk cId="0" sldId="256"/>
+        </pc:sldMkLst>
+        <pc:spChg chg="mod">
+          <ac:chgData name="Juan Pedro steibel" userId="08d14709d58c96e1" providerId="LiveId" clId="{67A7BFA3-56B5-4B76-BF0E-8C5712554950}" dt="2021-10-20T15:12:33.025" v="6" actId="20577"/>
+          <ac:spMkLst>
+            <pc:docMk/>
+            <pc:sldMk cId="0" sldId="256"/>
+            <ac:spMk id="6146" creationId="{00000000-0000-0000-0000-000000000000}"/>
+          </ac:spMkLst>
+        </pc:spChg>
+      </pc:sldChg>
+    </pc:docChg>
+  </pc:docChgLst>
+  <pc:docChgLst>
     <pc:chgData name="Juan Pedro steibel" userId="08d14709d58c96e1" providerId="LiveId" clId="{F6676B55-E460-4337-BBAE-8F042AD5250A}"/>
     <pc:docChg chg="undo custSel addSld delSld modSld">
-      <pc:chgData name="Juan Pedro steibel" userId="08d14709d58c96e1" providerId="LiveId" clId="{F6676B55-E460-4337-BBAE-8F042AD5250A}" dt="2021-03-10T15:56:16.583" v="379" actId="20577"/>
+      <pc:chgData name="Juan Pedro steibel" userId="08d14709d58c96e1" providerId="LiveId" clId="{F6676B55-E460-4337-BBAE-8F042AD5250A}" dt="2021-03-11T17:56:17.949" v="387" actId="1589"/>
       <pc:docMkLst>
         <pc:docMk/>
       </pc:docMkLst>
@@ -1085,8 +1112,8 @@
           <pc:sldMk cId="2801749645" sldId="343"/>
         </pc:sldMkLst>
       </pc:sldChg>
-      <pc:sldChg chg="modSp add mod setBg">
-        <pc:chgData name="Juan Pedro steibel" userId="08d14709d58c96e1" providerId="LiveId" clId="{F6676B55-E460-4337-BBAE-8F042AD5250A}" dt="2021-03-10T15:55:38.100" v="322" actId="20577"/>
+      <pc:sldChg chg="modSp add mod setBg addCm">
+        <pc:chgData name="Juan Pedro steibel" userId="08d14709d58c96e1" providerId="LiveId" clId="{F6676B55-E460-4337-BBAE-8F042AD5250A}" dt="2021-03-11T17:56:17.949" v="387" actId="1589"/>
         <pc:sldMkLst>
           <pc:docMk/>
           <pc:sldMk cId="997402632" sldId="344"/>
@@ -1100,7 +1127,7 @@
           </ac:spMkLst>
         </pc:spChg>
         <pc:spChg chg="mod">
-          <ac:chgData name="Juan Pedro steibel" userId="08d14709d58c96e1" providerId="LiveId" clId="{F6676B55-E460-4337-BBAE-8F042AD5250A}" dt="2021-03-10T15:55:38.100" v="322" actId="20577"/>
+          <ac:chgData name="Juan Pedro steibel" userId="08d14709d58c96e1" providerId="LiveId" clId="{F6676B55-E460-4337-BBAE-8F042AD5250A}" dt="2021-03-11T16:43:21.917" v="386" actId="20577"/>
           <ac:spMkLst>
             <pc:docMk/>
             <pc:sldMk cId="997402632" sldId="344"/>
@@ -1724,6 +1751,20 @@
     </pc:docChg>
   </pc:docChgLst>
 </pc:chgInfo>
+</file>
+
+<file path=ppt/comments/comment1.xml><?xml version="1.0" encoding="utf-8"?>
+<p:cmLst xmlns:a="http://schemas.openxmlformats.org/drawingml/2006/main" xmlns:r="http://schemas.openxmlformats.org/officeDocument/2006/relationships" xmlns:p="http://schemas.openxmlformats.org/presentationml/2006/main">
+  <p:cm authorId="1" dt="2021-03-11T12:56:17.806" idx="1">
+    <p:pos x="3738" y="3351"/>
+    <p:text/>
+    <p:extLst>
+      <p:ext uri="{C676402C-5697-4E1C-873F-D02D1690AC5C}">
+        <p15:threadingInfo xmlns:p15="http://schemas.microsoft.com/office/powerpoint/2012/main" timeZoneBias="300"/>
+      </p:ext>
+    </p:extLst>
+  </p:cm>
+</p:cmLst>
 </file>
 
 <file path=ppt/notesMasters/notesMaster1.xml><?xml version="1.0" encoding="utf-8"?>
@@ -9916,7 +9957,7 @@
             </a:pPr>
             <a:r>
               <a:rPr lang="en-US" sz="3200" dirty="0"/>
-              <a:t>March 2021</a:t>
+              <a:t>October 2021</a:t>
             </a:r>
           </a:p>
           <a:p>
@@ -10812,15 +10853,33 @@
               </a:tabLst>
             </a:pPr>
             <a:r>
-              <a:rPr lang="en-US" sz="1400" dirty="0"/>
+              <a:rPr lang="en-US" sz="1400" dirty="0">
+                <a:solidFill>
+                  <a:schemeClr val="bg1">
+                    <a:lumMod val="65000"/>
+                  </a:schemeClr>
+                </a:solidFill>
+              </a:rPr>
               <a:t>R-stan practice 5: </a:t>
             </a:r>
             <a:r>
-              <a:rPr lang="en-US" sz="1400" dirty="0" err="1"/>
+              <a:rPr lang="en-US" sz="1400" dirty="0" err="1">
+                <a:solidFill>
+                  <a:schemeClr val="bg1">
+                    <a:lumMod val="65000"/>
+                  </a:schemeClr>
+                </a:solidFill>
+              </a:rPr>
               <a:t>stanarm</a:t>
             </a:r>
             <a:r>
-              <a:rPr lang="en-US" sz="1400" dirty="0"/>
+              <a:rPr lang="en-US" sz="1400" dirty="0">
+                <a:solidFill>
+                  <a:schemeClr val="bg1">
+                    <a:lumMod val="65000"/>
+                  </a:schemeClr>
+                </a:solidFill>
+              </a:rPr>
               <a:t> and model checking in linear models.</a:t>
             </a:r>
           </a:p>
@@ -10930,7 +10989,7 @@
             </a:pPr>
             <a:r>
               <a:rPr lang="en-US" sz="1600" dirty="0"/>
-              <a:t>Repeated measures (ppt)</a:t>
+              <a:t>Gaussian Linear models for repeated measures (ppt)</a:t>
             </a:r>
             <a:endParaRPr lang="en-US" sz="1400" dirty="0"/>
           </a:p>

--- a/0 Workshop.pptx
+++ b/0 Workshop.pptx
@@ -850,8 +850,8 @@
   </pc:docChgLst>
   <pc:docChgLst>
     <pc:chgData name="Juan Pedro steibel" userId="08d14709d58c96e1" providerId="LiveId" clId="{67A7BFA3-56B5-4B76-BF0E-8C5712554950}"/>
-    <pc:docChg chg="modSld">
-      <pc:chgData name="Juan Pedro steibel" userId="08d14709d58c96e1" providerId="LiveId" clId="{67A7BFA3-56B5-4B76-BF0E-8C5712554950}" dt="2021-10-20T15:12:33.025" v="6" actId="20577"/>
+    <pc:docChg chg="undo custSel modSld">
+      <pc:chgData name="Juan Pedro steibel" userId="08d14709d58c96e1" providerId="LiveId" clId="{67A7BFA3-56B5-4B76-BF0E-8C5712554950}" dt="2021-10-20T16:39:20.426" v="120" actId="20577"/>
       <pc:docMkLst>
         <pc:docMk/>
       </pc:docMkLst>
@@ -867,6 +867,36 @@
             <pc:docMk/>
             <pc:sldMk cId="0" sldId="256"/>
             <ac:spMk id="6146" creationId="{00000000-0000-0000-0000-000000000000}"/>
+          </ac:spMkLst>
+        </pc:spChg>
+      </pc:sldChg>
+      <pc:sldChg chg="modSp mod">
+        <pc:chgData name="Juan Pedro steibel" userId="08d14709d58c96e1" providerId="LiveId" clId="{67A7BFA3-56B5-4B76-BF0E-8C5712554950}" dt="2021-10-20T16:39:20.426" v="120" actId="20577"/>
+        <pc:sldMkLst>
+          <pc:docMk/>
+          <pc:sldMk cId="0" sldId="257"/>
+        </pc:sldMkLst>
+        <pc:spChg chg="mod">
+          <ac:chgData name="Juan Pedro steibel" userId="08d14709d58c96e1" providerId="LiveId" clId="{67A7BFA3-56B5-4B76-BF0E-8C5712554950}" dt="2021-10-20T16:39:20.426" v="120" actId="20577"/>
+          <ac:spMkLst>
+            <pc:docMk/>
+            <pc:sldMk cId="0" sldId="257"/>
+            <ac:spMk id="7170" creationId="{00000000-0000-0000-0000-000000000000}"/>
+          </ac:spMkLst>
+        </pc:spChg>
+      </pc:sldChg>
+      <pc:sldChg chg="modSp mod delCm modCm">
+        <pc:chgData name="Juan Pedro steibel" userId="08d14709d58c96e1" providerId="LiveId" clId="{67A7BFA3-56B5-4B76-BF0E-8C5712554950}" dt="2021-10-20T16:38:35.600" v="41" actId="1076"/>
+        <pc:sldMkLst>
+          <pc:docMk/>
+          <pc:sldMk cId="997402632" sldId="344"/>
+        </pc:sldMkLst>
+        <pc:spChg chg="mod">
+          <ac:chgData name="Juan Pedro steibel" userId="08d14709d58c96e1" providerId="LiveId" clId="{67A7BFA3-56B5-4B76-BF0E-8C5712554950}" dt="2021-10-20T16:38:35.600" v="41" actId="1076"/>
+          <ac:spMkLst>
+            <pc:docMk/>
+            <pc:sldMk cId="997402632" sldId="344"/>
+            <ac:spMk id="7170" creationId="{00000000-0000-0000-0000-000000000000}"/>
           </ac:spMkLst>
         </pc:spChg>
       </pc:sldChg>
@@ -1751,20 +1781,6 @@
     </pc:docChg>
   </pc:docChgLst>
 </pc:chgInfo>
-</file>
-
-<file path=ppt/comments/comment1.xml><?xml version="1.0" encoding="utf-8"?>
-<p:cmLst xmlns:a="http://schemas.openxmlformats.org/drawingml/2006/main" xmlns:r="http://schemas.openxmlformats.org/officeDocument/2006/relationships" xmlns:p="http://schemas.openxmlformats.org/presentationml/2006/main">
-  <p:cm authorId="1" dt="2021-03-11T12:56:17.806" idx="1">
-    <p:pos x="3738" y="3351"/>
-    <p:text/>
-    <p:extLst>
-      <p:ext uri="{C676402C-5697-4E1C-873F-D02D1690AC5C}">
-        <p15:threadingInfo xmlns:p15="http://schemas.microsoft.com/office/powerpoint/2012/main" timeZoneBias="300"/>
-      </p:ext>
-    </p:extLst>
-  </p:cm>
-</p:cmLst>
 </file>
 
 <file path=ppt/notesMasters/notesMaster1.xml><?xml version="1.0" encoding="utf-8"?>
@@ -10265,7 +10281,7 @@
             </a:pPr>
             <a:r>
               <a:rPr lang="en-US" sz="1600" dirty="0"/>
-              <a:t>Hands-on (you follow along, preferred)</a:t>
+              <a:t>Hands-on (you follow along, preferred if you have installed the programs)</a:t>
             </a:r>
           </a:p>
           <a:p>
@@ -10303,6 +10319,7 @@
               <a:rPr lang="en-US" sz="1600" dirty="0"/>
               <a:t>Demo (you watch me do it)</a:t>
             </a:r>
+            <a:endParaRPr lang="en-US" sz="2000" dirty="0"/>
           </a:p>
           <a:p>
             <a:pPr marL="336550" indent="-336550">
@@ -10417,15 +10434,7 @@
             </a:pPr>
             <a:r>
               <a:rPr lang="en-US" sz="2000" dirty="0"/>
-              <a:t>Ppts, R code and data</a:t>
-            </a:r>
-            <a:r>
-              <a:rPr lang="en-US" sz="2000"/>
-              <a:t>, stan web </a:t>
-            </a:r>
-            <a:r>
-              <a:rPr lang="en-US" sz="2000" dirty="0"/>
-              <a:t>resources</a:t>
+              <a:t>Ppts, R code and data, stan web resources</a:t>
             </a:r>
           </a:p>
         </p:txBody>
@@ -10551,7 +10560,7 @@
         </p:nvSpPr>
         <p:spPr>
           <a:xfrm>
-            <a:off x="685800" y="1646237"/>
+            <a:off x="990600" y="2133600"/>
             <a:ext cx="7696200" cy="3992563"/>
           </a:xfrm>
           <a:ln/>
@@ -10630,7 +10639,42 @@
               <a:rPr lang="en-US" sz="1600" dirty="0"/>
               <a:t>MCMC and Convergence diagnostics (ppt)</a:t>
             </a:r>
-            <a:endParaRPr lang="en-US" sz="1400" dirty="0"/>
+          </a:p>
+          <a:p>
+            <a:pPr marL="736600" lvl="1" indent="-336550">
+              <a:spcBef>
+                <a:spcPts val="1200"/>
+              </a:spcBef>
+              <a:buFont typeface="Arial" charset="0"/>
+              <a:buChar char="•"/>
+              <a:tabLst>
+                <a:tab pos="336550" algn="l"/>
+                <a:tab pos="441325" algn="l"/>
+                <a:tab pos="890588" algn="l"/>
+                <a:tab pos="1339850" algn="l"/>
+                <a:tab pos="1789113" algn="l"/>
+                <a:tab pos="2238375" algn="l"/>
+                <a:tab pos="2687638" algn="l"/>
+                <a:tab pos="3136900" algn="l"/>
+                <a:tab pos="3586163" algn="l"/>
+                <a:tab pos="4035425" algn="l"/>
+                <a:tab pos="4484688" algn="l"/>
+                <a:tab pos="4933950" algn="l"/>
+                <a:tab pos="5383213" algn="l"/>
+                <a:tab pos="5832475" algn="l"/>
+                <a:tab pos="6281738" algn="l"/>
+                <a:tab pos="6731000" algn="l"/>
+                <a:tab pos="7180263" algn="l"/>
+                <a:tab pos="7629525" algn="l"/>
+                <a:tab pos="8078788" algn="l"/>
+                <a:tab pos="8528050" algn="l"/>
+                <a:tab pos="8977313" algn="l"/>
+              </a:tabLst>
+            </a:pPr>
+            <a:r>
+              <a:rPr lang="en-US" sz="1000" dirty="0"/>
+              <a:t>R-stan practice 1: a first stan program. Regression</a:t>
+            </a:r>
           </a:p>
           <a:p>
             <a:pPr marL="336550" indent="-336550">
@@ -10710,7 +10754,7 @@
             </a:pPr>
             <a:r>
               <a:rPr lang="en-US" sz="1400" dirty="0"/>
-              <a:t>R-stan practice 1: a first stan program. Regression</a:t>
+              <a:t>R-stan practice 2: Effect of prior. Regression</a:t>
             </a:r>
           </a:p>
           <a:p>
@@ -10746,7 +10790,7 @@
             </a:pPr>
             <a:r>
               <a:rPr lang="en-US" sz="1400" dirty="0"/>
-              <a:t>R-stan practice 2: Effect of prior. Regression</a:t>
+              <a:t>R-stan practice 3: predictive checks. Regression</a:t>
             </a:r>
           </a:p>
           <a:p>
@@ -10782,7 +10826,43 @@
             </a:pPr>
             <a:r>
               <a:rPr lang="en-US" sz="1400" dirty="0"/>
-              <a:t>R-stan practice 3: predictive checks. Regression</a:t>
+              <a:t>R-stan practice 4: classification effects models </a:t>
+            </a:r>
+          </a:p>
+          <a:p>
+            <a:pPr marL="336550" indent="-336550">
+              <a:spcBef>
+                <a:spcPts val="1200"/>
+              </a:spcBef>
+              <a:buFont typeface="Arial" charset="0"/>
+              <a:buChar char="•"/>
+              <a:tabLst>
+                <a:tab pos="336550" algn="l"/>
+                <a:tab pos="441325" algn="l"/>
+                <a:tab pos="890588" algn="l"/>
+                <a:tab pos="1339850" algn="l"/>
+                <a:tab pos="1789113" algn="l"/>
+                <a:tab pos="2238375" algn="l"/>
+                <a:tab pos="2687638" algn="l"/>
+                <a:tab pos="3136900" algn="l"/>
+                <a:tab pos="3586163" algn="l"/>
+                <a:tab pos="4035425" algn="l"/>
+                <a:tab pos="4484688" algn="l"/>
+                <a:tab pos="4933950" algn="l"/>
+                <a:tab pos="5383213" algn="l"/>
+                <a:tab pos="5832475" algn="l"/>
+                <a:tab pos="6281738" algn="l"/>
+                <a:tab pos="6731000" algn="l"/>
+                <a:tab pos="7180263" algn="l"/>
+                <a:tab pos="7629525" algn="l"/>
+                <a:tab pos="8078788" algn="l"/>
+                <a:tab pos="8528050" algn="l"/>
+                <a:tab pos="8977313" algn="l"/>
+              </a:tabLst>
+            </a:pPr>
+            <a:r>
+              <a:rPr lang="en-US" sz="1800" dirty="0"/>
+              <a:t>Model Checking</a:t>
             </a:r>
           </a:p>
           <a:p>
@@ -10817,47 +10897,9 @@
               </a:tabLst>
             </a:pPr>
             <a:r>
-              <a:rPr lang="en-US" sz="1400" dirty="0"/>
-              <a:t>R-stan practice 4: classification effects models </a:t>
-            </a:r>
-          </a:p>
-          <a:p>
-            <a:pPr marL="736600" lvl="1" indent="-336550">
-              <a:spcBef>
-                <a:spcPts val="1200"/>
-              </a:spcBef>
-              <a:buFont typeface="Arial" charset="0"/>
-              <a:buChar char="•"/>
-              <a:tabLst>
-                <a:tab pos="336550" algn="l"/>
-                <a:tab pos="441325" algn="l"/>
-                <a:tab pos="890588" algn="l"/>
-                <a:tab pos="1339850" algn="l"/>
-                <a:tab pos="1789113" algn="l"/>
-                <a:tab pos="2238375" algn="l"/>
-                <a:tab pos="2687638" algn="l"/>
-                <a:tab pos="3136900" algn="l"/>
-                <a:tab pos="3586163" algn="l"/>
-                <a:tab pos="4035425" algn="l"/>
-                <a:tab pos="4484688" algn="l"/>
-                <a:tab pos="4933950" algn="l"/>
-                <a:tab pos="5383213" algn="l"/>
-                <a:tab pos="5832475" algn="l"/>
-                <a:tab pos="6281738" algn="l"/>
-                <a:tab pos="6731000" algn="l"/>
-                <a:tab pos="7180263" algn="l"/>
-                <a:tab pos="7629525" algn="l"/>
-                <a:tab pos="8078788" algn="l"/>
-                <a:tab pos="8528050" algn="l"/>
-                <a:tab pos="8977313" algn="l"/>
-              </a:tabLst>
-            </a:pPr>
-            <a:r>
               <a:rPr lang="en-US" sz="1400" dirty="0">
                 <a:solidFill>
-                  <a:schemeClr val="bg1">
-                    <a:lumMod val="65000"/>
-                  </a:schemeClr>
+                  <a:schemeClr val="tx1"/>
                 </a:solidFill>
               </a:rPr>
               <a:t>R-stan practice 5: </a:t>
@@ -10865,9 +10907,7 @@
             <a:r>
               <a:rPr lang="en-US" sz="1400" dirty="0" err="1">
                 <a:solidFill>
-                  <a:schemeClr val="bg1">
-                    <a:lumMod val="65000"/>
-                  </a:schemeClr>
+                  <a:schemeClr val="tx1"/>
                 </a:solidFill>
               </a:rPr>
               <a:t>stanarm</a:t>
@@ -10875,192 +10915,11 @@
             <a:r>
               <a:rPr lang="en-US" sz="1400" dirty="0">
                 <a:solidFill>
-                  <a:schemeClr val="bg1">
-                    <a:lumMod val="65000"/>
-                  </a:schemeClr>
+                  <a:schemeClr val="tx1"/>
                 </a:solidFill>
               </a:rPr>
               <a:t> and model checking in linear models.</a:t>
             </a:r>
-          </a:p>
-          <a:p>
-            <a:pPr marL="336550" indent="-336550">
-              <a:spcBef>
-                <a:spcPts val="1200"/>
-              </a:spcBef>
-              <a:buFont typeface="Arial" charset="0"/>
-              <a:buChar char="•"/>
-              <a:tabLst>
-                <a:tab pos="336550" algn="l"/>
-                <a:tab pos="441325" algn="l"/>
-                <a:tab pos="890588" algn="l"/>
-                <a:tab pos="1339850" algn="l"/>
-                <a:tab pos="1789113" algn="l"/>
-                <a:tab pos="2238375" algn="l"/>
-                <a:tab pos="2687638" algn="l"/>
-                <a:tab pos="3136900" algn="l"/>
-                <a:tab pos="3586163" algn="l"/>
-                <a:tab pos="4035425" algn="l"/>
-                <a:tab pos="4484688" algn="l"/>
-                <a:tab pos="4933950" algn="l"/>
-                <a:tab pos="5383213" algn="l"/>
-                <a:tab pos="5832475" algn="l"/>
-                <a:tab pos="6281738" algn="l"/>
-                <a:tab pos="6731000" algn="l"/>
-                <a:tab pos="7180263" algn="l"/>
-                <a:tab pos="7629525" algn="l"/>
-                <a:tab pos="8078788" algn="l"/>
-                <a:tab pos="8528050" algn="l"/>
-                <a:tab pos="8977313" algn="l"/>
-              </a:tabLst>
-            </a:pPr>
-            <a:r>
-              <a:rPr lang="en-US" sz="1600" dirty="0"/>
-              <a:t>Poisson Generalized Linear Models (ppt)</a:t>
-            </a:r>
-            <a:endParaRPr lang="en-US" sz="1400" dirty="0"/>
-          </a:p>
-          <a:p>
-            <a:pPr marL="736600" lvl="1" indent="-336550">
-              <a:spcBef>
-                <a:spcPts val="1200"/>
-              </a:spcBef>
-              <a:buFont typeface="Arial" charset="0"/>
-              <a:buChar char="•"/>
-              <a:tabLst>
-                <a:tab pos="336550" algn="l"/>
-                <a:tab pos="441325" algn="l"/>
-                <a:tab pos="890588" algn="l"/>
-                <a:tab pos="1339850" algn="l"/>
-                <a:tab pos="1789113" algn="l"/>
-                <a:tab pos="2238375" algn="l"/>
-                <a:tab pos="2687638" algn="l"/>
-                <a:tab pos="3136900" algn="l"/>
-                <a:tab pos="3586163" algn="l"/>
-                <a:tab pos="4035425" algn="l"/>
-                <a:tab pos="4484688" algn="l"/>
-                <a:tab pos="4933950" algn="l"/>
-                <a:tab pos="5383213" algn="l"/>
-                <a:tab pos="5832475" algn="l"/>
-                <a:tab pos="6281738" algn="l"/>
-                <a:tab pos="6731000" algn="l"/>
-                <a:tab pos="7180263" algn="l"/>
-                <a:tab pos="7629525" algn="l"/>
-                <a:tab pos="8078788" algn="l"/>
-                <a:tab pos="8528050" algn="l"/>
-                <a:tab pos="8977313" algn="l"/>
-              </a:tabLst>
-            </a:pPr>
-            <a:r>
-              <a:rPr lang="en-US" sz="1400" dirty="0"/>
-              <a:t>R-stan practice 6: Poisson GLM, overdispersion, model checking</a:t>
-            </a:r>
-          </a:p>
-          <a:p>
-            <a:pPr marL="336550" indent="-336550">
-              <a:spcBef>
-                <a:spcPts val="1200"/>
-              </a:spcBef>
-              <a:buFont typeface="Arial" charset="0"/>
-              <a:buChar char="•"/>
-              <a:tabLst>
-                <a:tab pos="336550" algn="l"/>
-                <a:tab pos="441325" algn="l"/>
-                <a:tab pos="890588" algn="l"/>
-                <a:tab pos="1339850" algn="l"/>
-                <a:tab pos="1789113" algn="l"/>
-                <a:tab pos="2238375" algn="l"/>
-                <a:tab pos="2687638" algn="l"/>
-                <a:tab pos="3136900" algn="l"/>
-                <a:tab pos="3586163" algn="l"/>
-                <a:tab pos="4035425" algn="l"/>
-                <a:tab pos="4484688" algn="l"/>
-                <a:tab pos="4933950" algn="l"/>
-                <a:tab pos="5383213" algn="l"/>
-                <a:tab pos="5832475" algn="l"/>
-                <a:tab pos="6281738" algn="l"/>
-                <a:tab pos="6731000" algn="l"/>
-                <a:tab pos="7180263" algn="l"/>
-                <a:tab pos="7629525" algn="l"/>
-                <a:tab pos="8078788" algn="l"/>
-                <a:tab pos="8528050" algn="l"/>
-                <a:tab pos="8977313" algn="l"/>
-              </a:tabLst>
-            </a:pPr>
-            <a:r>
-              <a:rPr lang="en-US" sz="1600" dirty="0"/>
-              <a:t>Gaussian Linear models for repeated measures (ppt)</a:t>
-            </a:r>
-            <a:endParaRPr lang="en-US" sz="1400" dirty="0"/>
-          </a:p>
-          <a:p>
-            <a:pPr marL="736600" lvl="1" indent="-336550">
-              <a:spcBef>
-                <a:spcPts val="1200"/>
-              </a:spcBef>
-              <a:buFont typeface="Arial" charset="0"/>
-              <a:buChar char="•"/>
-              <a:tabLst>
-                <a:tab pos="336550" algn="l"/>
-                <a:tab pos="441325" algn="l"/>
-                <a:tab pos="890588" algn="l"/>
-                <a:tab pos="1339850" algn="l"/>
-                <a:tab pos="1789113" algn="l"/>
-                <a:tab pos="2238375" algn="l"/>
-                <a:tab pos="2687638" algn="l"/>
-                <a:tab pos="3136900" algn="l"/>
-                <a:tab pos="3586163" algn="l"/>
-                <a:tab pos="4035425" algn="l"/>
-                <a:tab pos="4484688" algn="l"/>
-                <a:tab pos="4933950" algn="l"/>
-                <a:tab pos="5383213" algn="l"/>
-                <a:tab pos="5832475" algn="l"/>
-                <a:tab pos="6281738" algn="l"/>
-                <a:tab pos="6731000" algn="l"/>
-                <a:tab pos="7180263" algn="l"/>
-                <a:tab pos="7629525" algn="l"/>
-                <a:tab pos="8078788" algn="l"/>
-                <a:tab pos="8528050" algn="l"/>
-                <a:tab pos="8977313" algn="l"/>
-              </a:tabLst>
-            </a:pPr>
-            <a:r>
-              <a:rPr lang="en-US" sz="1400" dirty="0"/>
-              <a:t>R-stan practice 7: random coefficient models</a:t>
-            </a:r>
-          </a:p>
-          <a:p>
-            <a:pPr marL="736600" lvl="1" indent="-336550">
-              <a:spcBef>
-                <a:spcPts val="1200"/>
-              </a:spcBef>
-              <a:buFont typeface="Arial" charset="0"/>
-              <a:buChar char="•"/>
-              <a:tabLst>
-                <a:tab pos="336550" algn="l"/>
-                <a:tab pos="441325" algn="l"/>
-                <a:tab pos="890588" algn="l"/>
-                <a:tab pos="1339850" algn="l"/>
-                <a:tab pos="1789113" algn="l"/>
-                <a:tab pos="2238375" algn="l"/>
-                <a:tab pos="2687638" algn="l"/>
-                <a:tab pos="3136900" algn="l"/>
-                <a:tab pos="3586163" algn="l"/>
-                <a:tab pos="4035425" algn="l"/>
-                <a:tab pos="4484688" algn="l"/>
-                <a:tab pos="4933950" algn="l"/>
-                <a:tab pos="5383213" algn="l"/>
-                <a:tab pos="5832475" algn="l"/>
-                <a:tab pos="6281738" algn="l"/>
-                <a:tab pos="6731000" algn="l"/>
-                <a:tab pos="7180263" algn="l"/>
-                <a:tab pos="7629525" algn="l"/>
-                <a:tab pos="8078788" algn="l"/>
-                <a:tab pos="8528050" algn="l"/>
-                <a:tab pos="8977313" algn="l"/>
-              </a:tabLst>
-            </a:pPr>
-            <a:endParaRPr lang="en-US" sz="1400" dirty="0"/>
           </a:p>
         </p:txBody>
       </p:sp>
